--- a/poster.pptx
+++ b/poster.pptx
@@ -6251,8 +6251,8 @@
               <a:gd name="adj2" fmla="val -207"/>
               <a:gd name="adj3" fmla="val 18750"/>
               <a:gd name="adj4" fmla="val -16667"/>
-              <a:gd name="adj5" fmla="val 52802"/>
-              <a:gd name="adj6" fmla="val -73669"/>
+              <a:gd name="adj5" fmla="val 38364"/>
+              <a:gd name="adj6" fmla="val -50153"/>
             </a:avLst>
           </a:prstGeom>
         </p:spPr>
@@ -6547,8 +6547,8 @@
         </p:nvSpPr>
         <p:spPr>
           <a:xfrm>
-            <a:off x="526834" y="5735945"/>
-            <a:ext cx="523783" cy="523783"/>
+            <a:off x="358251" y="5567362"/>
+            <a:ext cx="860950" cy="860950"/>
           </a:xfrm>
           <a:prstGeom prst="ellipse">
             <a:avLst/>
@@ -6571,14 +6571,15 @@
           </a:fontRef>
         </p:style>
         <p:txBody>
-          <a:bodyPr rtlCol="0" anchor="ctr"/>
+          <a:bodyPr wrap="none" rtlCol="0" anchor="ctr"/>
           <a:lstStyle/>
           <a:p>
             <a:pPr algn="ctr"/>
             <a:r>
-              <a:rPr lang="ko-KR" altLang="en-US" dirty="0"/>
-              <a:t>집</a:t>
-            </a:r>
+              <a:rPr lang="en-US" altLang="ko-KR" sz="2000" dirty="0"/>
+              <a:t>Home</a:t>
+            </a:r>
+            <a:endParaRPr lang="ko-KR" altLang="en-US" sz="2000" dirty="0"/>
           </a:p>
         </p:txBody>
       </p:sp>
@@ -6596,8 +6597,8 @@
         </p:nvSpPr>
         <p:spPr>
           <a:xfrm>
-            <a:off x="1598707" y="3992880"/>
-            <a:ext cx="523783" cy="523783"/>
+            <a:off x="1430124" y="3824297"/>
+            <a:ext cx="860950" cy="860950"/>
           </a:xfrm>
           <a:prstGeom prst="ellipse">
             <a:avLst/>
@@ -6620,11 +6621,22 @@
           </a:fontRef>
         </p:style>
         <p:txBody>
-          <a:bodyPr rtlCol="0" anchor="ctr"/>
+          <a:bodyPr wrap="none" rtlCol="0" anchor="ctr"/>
           <a:lstStyle/>
           <a:p>
             <a:pPr algn="ctr"/>
-            <a:endParaRPr lang="ko-KR" altLang="en-US"/>
+            <a:r>
+              <a:rPr lang="en-US" altLang="ko-KR" sz="1100" dirty="0"/>
+              <a:t>Check-</a:t>
+            </a:r>
+          </a:p>
+          <a:p>
+            <a:pPr algn="ctr"/>
+            <a:r>
+              <a:rPr lang="en-US" altLang="ko-KR" sz="1100" dirty="0"/>
+              <a:t>point 1</a:t>
+            </a:r>
+            <a:endParaRPr lang="ko-KR" altLang="en-US" dirty="0"/>
           </a:p>
         </p:txBody>
       </p:sp>
@@ -6642,8 +6654,8 @@
         </p:nvSpPr>
         <p:spPr>
           <a:xfrm>
-            <a:off x="2965235" y="4230995"/>
-            <a:ext cx="523783" cy="523783"/>
+            <a:off x="2796652" y="4062412"/>
+            <a:ext cx="860950" cy="860950"/>
           </a:xfrm>
           <a:prstGeom prst="ellipse">
             <a:avLst/>
@@ -6666,11 +6678,22 @@
           </a:fontRef>
         </p:style>
         <p:txBody>
-          <a:bodyPr rtlCol="0" anchor="ctr"/>
+          <a:bodyPr wrap="none" rtlCol="0" anchor="ctr"/>
           <a:lstStyle/>
           <a:p>
             <a:pPr algn="ctr"/>
-            <a:endParaRPr lang="ko-KR" altLang="en-US"/>
+            <a:r>
+              <a:rPr lang="en-US" altLang="ko-KR" sz="1100" dirty="0"/>
+              <a:t>Check-</a:t>
+            </a:r>
+          </a:p>
+          <a:p>
+            <a:pPr algn="ctr"/>
+            <a:r>
+              <a:rPr lang="en-US" altLang="ko-KR" sz="1100" dirty="0"/>
+              <a:t>point 2</a:t>
+            </a:r>
+            <a:endParaRPr lang="ko-KR" altLang="en-US" sz="1100" dirty="0"/>
           </a:p>
         </p:txBody>
       </p:sp>
@@ -6688,8 +6711,8 @@
         </p:nvSpPr>
         <p:spPr>
           <a:xfrm>
-            <a:off x="4208293" y="4035686"/>
-            <a:ext cx="523783" cy="523783"/>
+            <a:off x="4039710" y="3867103"/>
+            <a:ext cx="860950" cy="860950"/>
           </a:xfrm>
           <a:prstGeom prst="ellipse">
             <a:avLst/>
@@ -6712,14 +6735,15 @@
           </a:fontRef>
         </p:style>
         <p:txBody>
-          <a:bodyPr rtlCol="0" anchor="ctr"/>
+          <a:bodyPr wrap="none" rtlCol="0" anchor="ctr"/>
           <a:lstStyle/>
           <a:p>
             <a:pPr algn="ctr"/>
             <a:r>
-              <a:rPr lang="ko-KR" altLang="en-US" sz="700" dirty="0"/>
-              <a:t>학교</a:t>
-            </a:r>
+              <a:rPr lang="en-US" altLang="ko-KR" sz="1600" dirty="0"/>
+              <a:t>School</a:t>
+            </a:r>
+            <a:endParaRPr lang="ko-KR" altLang="en-US" sz="1600" dirty="0"/>
           </a:p>
         </p:txBody>
       </p:sp>
@@ -6733,6 +6757,7 @@
             </a:extLst>
           </p:cNvPr>
           <p:cNvCxnSpPr>
+            <a:cxnSpLocks/>
             <a:stCxn id="7" idx="7"/>
             <a:endCxn id="8" idx="3"/>
           </p:cNvCxnSpPr>
@@ -6740,8 +6765,8 @@
         </p:nvCxnSpPr>
         <p:spPr>
           <a:xfrm flipV="1">
-            <a:off x="973911" y="4439957"/>
-            <a:ext cx="701502" cy="1372694"/>
+            <a:off x="1093118" y="4559164"/>
+            <a:ext cx="463089" cy="1134281"/>
           </a:xfrm>
           <a:prstGeom prst="straightConnector1">
             <a:avLst/>
@@ -6775,6 +6800,7 @@
             </a:extLst>
           </p:cNvPr>
           <p:cNvCxnSpPr>
+            <a:cxnSpLocks/>
             <a:stCxn id="8" idx="6"/>
             <a:endCxn id="9" idx="2"/>
           </p:cNvCxnSpPr>
@@ -6782,8 +6808,8 @@
         </p:nvCxnSpPr>
         <p:spPr>
           <a:xfrm>
-            <a:off x="2122490" y="4254772"/>
-            <a:ext cx="842745" cy="238115"/>
+            <a:off x="2291074" y="4254772"/>
+            <a:ext cx="505578" cy="238115"/>
           </a:xfrm>
           <a:prstGeom prst="straightConnector1">
             <a:avLst/>
@@ -6817,6 +6843,7 @@
             </a:extLst>
           </p:cNvPr>
           <p:cNvCxnSpPr>
+            <a:cxnSpLocks/>
             <a:stCxn id="9" idx="6"/>
             <a:endCxn id="10" idx="2"/>
           </p:cNvCxnSpPr>
@@ -6824,8 +6851,8 @@
         </p:nvCxnSpPr>
         <p:spPr>
           <a:xfrm flipV="1">
-            <a:off x="3489018" y="4297578"/>
-            <a:ext cx="719275" cy="195309"/>
+            <a:off x="3657602" y="4297578"/>
+            <a:ext cx="382108" cy="195309"/>
           </a:xfrm>
           <a:prstGeom prst="straightConnector1">
             <a:avLst/>
@@ -6872,8 +6899,8 @@
               <a:gd name="adj2" fmla="val 81145"/>
               <a:gd name="adj3" fmla="val 224804"/>
               <a:gd name="adj4" fmla="val 66669"/>
-              <a:gd name="adj5" fmla="val 212448"/>
-              <a:gd name="adj6" fmla="val 113505"/>
+              <a:gd name="adj5" fmla="val 208323"/>
+              <a:gd name="adj6" fmla="val 98807"/>
             </a:avLst>
           </a:prstGeom>
         </p:spPr>
@@ -6929,8 +6956,8 @@
               <a:gd name="adj2" fmla="val 32864"/>
               <a:gd name="adj3" fmla="val -101913"/>
               <a:gd name="adj4" fmla="val 31615"/>
-              <a:gd name="adj5" fmla="val -177385"/>
-              <a:gd name="adj6" fmla="val -6207"/>
+              <a:gd name="adj5" fmla="val -136133"/>
+              <a:gd name="adj6" fmla="val 1877"/>
             </a:avLst>
           </a:prstGeom>
         </p:spPr>
@@ -6982,8 +7009,8 @@
           </a:xfrm>
           <a:prstGeom prst="borderCallout2">
             <a:avLst>
-              <a:gd name="adj1" fmla="val 123845"/>
-              <a:gd name="adj2" fmla="val 153236"/>
+              <a:gd name="adj1" fmla="val 84656"/>
+              <a:gd name="adj2" fmla="val 147357"/>
               <a:gd name="adj3" fmla="val 52164"/>
               <a:gd name="adj4" fmla="val 137438"/>
               <a:gd name="adj5" fmla="val 49089"/>
@@ -7172,8 +7199,8 @@
           <a:lstStyle/>
           <a:p>
             <a:r>
-              <a:rPr lang="en-US" altLang="ko-KR" sz="4400" dirty="0" err="1"/>
-              <a:t>Checkpointer</a:t>
+              <a:rPr lang="ko-KR" altLang="en-US" sz="4400" dirty="0" err="1"/>
+              <a:t>체크포인터</a:t>
             </a:r>
             <a:r>
               <a:rPr lang="en-US" altLang="ko-KR" sz="1600" dirty="0"/>
@@ -7503,7 +7530,7 @@
           </a:fontRef>
         </p:style>
         <p:txBody>
-          <a:bodyPr rtlCol="0" anchor="ctr"/>
+          <a:bodyPr wrap="none" rtlCol="0" anchor="ctr"/>
           <a:lstStyle/>
           <a:p>
             <a:pPr algn="ctr"/>
@@ -7552,11 +7579,19 @@
           </a:fontRef>
         </p:style>
         <p:txBody>
-          <a:bodyPr rtlCol="0" anchor="ctr"/>
+          <a:bodyPr wrap="none" rtlCol="0" anchor="ctr"/>
           <a:lstStyle/>
           <a:p>
             <a:pPr algn="ctr"/>
-            <a:endParaRPr lang="ko-KR" altLang="en-US"/>
+            <a:r>
+              <a:rPr lang="ko-KR" altLang="en-US" sz="1400" dirty="0"/>
+              <a:t>지점</a:t>
+            </a:r>
+            <a:r>
+              <a:rPr lang="en-US" altLang="ko-KR" sz="1400" dirty="0"/>
+              <a:t>1</a:t>
+            </a:r>
+            <a:endParaRPr lang="ko-KR" altLang="en-US" sz="1400" dirty="0"/>
           </a:p>
         </p:txBody>
       </p:sp>
@@ -7598,11 +7633,19 @@
           </a:fontRef>
         </p:style>
         <p:txBody>
-          <a:bodyPr rtlCol="0" anchor="ctr"/>
+          <a:bodyPr wrap="none" rtlCol="0" anchor="ctr"/>
           <a:lstStyle/>
           <a:p>
             <a:pPr algn="ctr"/>
-            <a:endParaRPr lang="ko-KR" altLang="en-US"/>
+            <a:r>
+              <a:rPr lang="ko-KR" altLang="en-US" sz="1400" dirty="0"/>
+              <a:t>지점</a:t>
+            </a:r>
+            <a:r>
+              <a:rPr lang="en-US" altLang="ko-KR" sz="1400" dirty="0"/>
+              <a:t>2</a:t>
+            </a:r>
+            <a:endParaRPr lang="ko-KR" altLang="en-US" sz="1400" dirty="0"/>
           </a:p>
         </p:txBody>
       </p:sp>
@@ -7644,12 +7687,12 @@
           </a:fontRef>
         </p:style>
         <p:txBody>
-          <a:bodyPr rtlCol="0" anchor="ctr"/>
+          <a:bodyPr wrap="none" rtlCol="0" anchor="ctr"/>
           <a:lstStyle/>
           <a:p>
             <a:pPr algn="ctr"/>
             <a:r>
-              <a:rPr lang="ko-KR" altLang="en-US" sz="700" dirty="0"/>
+              <a:rPr lang="ko-KR" altLang="en-US" dirty="0"/>
               <a:t>학교</a:t>
             </a:r>
           </a:p>
